--- a/CalendarioAgo2022/presentaciones/8_ListasNumpy.pptx
+++ b/CalendarioAgo2022/presentaciones/8_ListasNumpy.pptx
@@ -1329,7 +1329,7 @@
           <a:p>
             <a:fld id="{1D8BD707-D9CF-40AE-B4C6-C98DA3205C09}" type="datetimeFigureOut">
               <a:rPr lang="en-US"/>
-              <a:t>10/3/2022</a:t>
+              <a:t>10/5/2022</a:t>
             </a:fld>
             <a:endParaRPr lang="en-US"/>
           </a:p>
@@ -1506,7 +1506,7 @@
           <a:p>
             <a:fld id="{1D8BD707-D9CF-40AE-B4C6-C98DA3205C09}" type="datetimeFigureOut">
               <a:rPr lang="en-US"/>
-              <a:t>10/3/2022</a:t>
+              <a:t>10/5/2022</a:t>
             </a:fld>
             <a:endParaRPr lang="en-US"/>
           </a:p>
@@ -1720,7 +1720,7 @@
           <a:p>
             <a:fld id="{1D8BD707-D9CF-40AE-B4C6-C98DA3205C09}" type="datetimeFigureOut">
               <a:rPr lang="en-US"/>
-              <a:t>10/3/2022</a:t>
+              <a:t>10/5/2022</a:t>
             </a:fld>
             <a:endParaRPr lang="en-US"/>
           </a:p>
@@ -1868,7 +1868,7 @@
           <a:p>
             <a:fld id="{1D8BD707-D9CF-40AE-B4C6-C98DA3205C09}" type="datetimeFigureOut">
               <a:rPr lang="en-US"/>
-              <a:t>10/3/2022</a:t>
+              <a:t>10/5/2022</a:t>
             </a:fld>
             <a:endParaRPr lang="en-US"/>
           </a:p>
@@ -1987,7 +1987,7 @@
           <a:p>
             <a:fld id="{1D8BD707-D9CF-40AE-B4C6-C98DA3205C09}" type="datetimeFigureOut">
               <a:rPr lang="en-US"/>
-              <a:t>10/3/2022</a:t>
+              <a:t>10/5/2022</a:t>
             </a:fld>
             <a:endParaRPr lang="en-US"/>
           </a:p>
@@ -2547,7 +2547,7 @@
           <a:p>
             <a:fld id="{1D8BD707-D9CF-40AE-B4C6-C98DA3205C09}" type="datetimeFigureOut">
               <a:rPr lang="en-US"/>
-              <a:t>10/3/2022</a:t>
+              <a:t>10/5/2022</a:t>
             </a:fld>
             <a:endParaRPr lang="en-US"/>
           </a:p>
@@ -8503,6 +8503,36 @@
           <a:chExt cx="0" cy="0"/>
         </a:xfrm>
       </p:grpSpPr>
+      <p:pic>
+        <p:nvPicPr>
+          <p:cNvPr id="9" name="Imagen 8">
+            <a:extLst>
+              <a:ext uri="{FF2B5EF4-FFF2-40B4-BE49-F238E27FC236}">
+                <a16:creationId xmlns:a16="http://schemas.microsoft.com/office/drawing/2014/main" id="{469206D8-C0C0-4A67-88A8-BDCDB98857BC}"/>
+              </a:ext>
+            </a:extLst>
+          </p:cNvPr>
+          <p:cNvPicPr>
+            <a:picLocks noChangeAspect="1"/>
+          </p:cNvPicPr>
+          <p:nvPr/>
+        </p:nvPicPr>
+        <p:blipFill>
+          <a:blip r:embed="rId3"/>
+          <a:stretch>
+            <a:fillRect/>
+          </a:stretch>
+        </p:blipFill>
+        <p:spPr>
+          <a:xfrm>
+            <a:off x="1202179" y="1859910"/>
+            <a:ext cx="7216523" cy="4891781"/>
+          </a:xfrm>
+          <a:prstGeom prst="rect">
+            <a:avLst/>
+          </a:prstGeom>
+        </p:spPr>
+      </p:pic>
       <p:sp>
         <p:nvSpPr>
           <p:cNvPr id="2" name="object 2"/>
@@ -8511,7 +8541,7 @@
         </p:nvSpPr>
         <p:spPr>
           <a:xfrm>
-            <a:off x="1789076" y="197917"/>
+            <a:off x="1700275" y="19325"/>
             <a:ext cx="9352280" cy="1661993"/>
           </a:xfrm>
           <a:prstGeom prst="rect">
@@ -8543,35 +8573,6 @@
               <a:latin typeface="Arial Rounded MT Bold"/>
               <a:cs typeface="Arial Rounded MT Bold"/>
             </a:endParaRPr>
-          </a:p>
-        </p:txBody>
-      </p:sp>
-      <p:sp>
-        <p:nvSpPr>
-          <p:cNvPr id="4" name="object 4"/>
-          <p:cNvSpPr/>
-          <p:nvPr/>
-        </p:nvSpPr>
-        <p:spPr>
-          <a:xfrm>
-            <a:off x="8776716" y="2458211"/>
-            <a:ext cx="2866644" cy="1488948"/>
-          </a:xfrm>
-          <a:prstGeom prst="rect">
-            <a:avLst/>
-          </a:prstGeom>
-          <a:blipFill>
-            <a:blip r:embed="rId3" cstate="print"/>
-            <a:stretch>
-              <a:fillRect/>
-            </a:stretch>
-          </a:blipFill>
-        </p:spPr>
-        <p:txBody>
-          <a:bodyPr wrap="square" lIns="0" tIns="0" rIns="0" bIns="0" rtlCol="0"/>
-          <a:lstStyle/>
-          <a:p>
-            <a:endParaRPr/>
           </a:p>
         </p:txBody>
       </p:sp>
@@ -8656,7 +8657,7 @@
         </p:nvSpPr>
         <p:spPr>
           <a:xfrm>
-            <a:off x="7570469" y="3966209"/>
+            <a:off x="7467600" y="4191000"/>
             <a:ext cx="4361815" cy="2496820"/>
           </a:xfrm>
           <a:custGeom>
@@ -8946,299 +8947,13 @@
       </p:sp>
       <p:sp>
         <p:nvSpPr>
-          <p:cNvPr id="7" name="object 7"/>
-          <p:cNvSpPr/>
-          <p:nvPr/>
-        </p:nvSpPr>
-        <p:spPr>
-          <a:xfrm>
-            <a:off x="7570469" y="3966209"/>
-            <a:ext cx="4361815" cy="2496820"/>
-          </a:xfrm>
-          <a:custGeom>
-            <a:avLst/>
-            <a:gdLst/>
-            <a:ahLst/>
-            <a:cxnLst/>
-            <a:rect l="l" t="t" r="r" b="b"/>
-            <a:pathLst>
-              <a:path w="4361815" h="2496820">
-                <a:moveTo>
-                  <a:pt x="0" y="0"/>
-                </a:moveTo>
-                <a:lnTo>
-                  <a:pt x="1674495" y="691388"/>
-                </a:lnTo>
-                <a:lnTo>
-                  <a:pt x="1794756" y="648741"/>
-                </a:lnTo>
-                <a:lnTo>
-                  <a:pt x="1918642" y="612388"/>
-                </a:lnTo>
-                <a:lnTo>
-                  <a:pt x="2045537" y="582258"/>
-                </a:lnTo>
-                <a:lnTo>
-                  <a:pt x="2174827" y="558285"/>
-                </a:lnTo>
-                <a:lnTo>
-                  <a:pt x="2305895" y="540400"/>
-                </a:lnTo>
-                <a:lnTo>
-                  <a:pt x="2438126" y="528535"/>
-                </a:lnTo>
-                <a:lnTo>
-                  <a:pt x="2570905" y="522622"/>
-                </a:lnTo>
-                <a:lnTo>
-                  <a:pt x="2703615" y="522591"/>
-                </a:lnTo>
-                <a:lnTo>
-                  <a:pt x="2835642" y="528376"/>
-                </a:lnTo>
-                <a:lnTo>
-                  <a:pt x="2966370" y="539908"/>
-                </a:lnTo>
-                <a:lnTo>
-                  <a:pt x="3095184" y="557119"/>
-                </a:lnTo>
-                <a:lnTo>
-                  <a:pt x="3221467" y="579940"/>
-                </a:lnTo>
-                <a:lnTo>
-                  <a:pt x="3344605" y="608304"/>
-                </a:lnTo>
-                <a:lnTo>
-                  <a:pt x="3463982" y="642142"/>
-                </a:lnTo>
-                <a:lnTo>
-                  <a:pt x="3578983" y="681386"/>
-                </a:lnTo>
-                <a:lnTo>
-                  <a:pt x="3688991" y="725968"/>
-                </a:lnTo>
-                <a:lnTo>
-                  <a:pt x="3793392" y="775820"/>
-                </a:lnTo>
-                <a:lnTo>
-                  <a:pt x="3891569" y="830872"/>
-                </a:lnTo>
-                <a:lnTo>
-                  <a:pt x="3982908" y="891058"/>
-                </a:lnTo>
-                <a:lnTo>
-                  <a:pt x="4066794" y="956309"/>
-                </a:lnTo>
-                <a:lnTo>
-                  <a:pt x="4141217" y="1025246"/>
-                </a:lnTo>
-                <a:lnTo>
-                  <a:pt x="4204661" y="1096260"/>
-                </a:lnTo>
-                <a:lnTo>
-                  <a:pt x="4257244" y="1169000"/>
-                </a:lnTo>
-                <a:lnTo>
-                  <a:pt x="4299085" y="1243112"/>
-                </a:lnTo>
-                <a:lnTo>
-                  <a:pt x="4330303" y="1318243"/>
-                </a:lnTo>
-                <a:lnTo>
-                  <a:pt x="4351016" y="1394041"/>
-                </a:lnTo>
-                <a:lnTo>
-                  <a:pt x="4361345" y="1470152"/>
-                </a:lnTo>
-                <a:lnTo>
-                  <a:pt x="4361407" y="1546224"/>
-                </a:lnTo>
-                <a:lnTo>
-                  <a:pt x="4351322" y="1621905"/>
-                </a:lnTo>
-                <a:lnTo>
-                  <a:pt x="4331208" y="1696840"/>
-                </a:lnTo>
-                <a:lnTo>
-                  <a:pt x="4301184" y="1770678"/>
-                </a:lnTo>
-                <a:lnTo>
-                  <a:pt x="4261369" y="1843065"/>
-                </a:lnTo>
-                <a:lnTo>
-                  <a:pt x="4211882" y="1913649"/>
-                </a:lnTo>
-                <a:lnTo>
-                  <a:pt x="4152842" y="1982077"/>
-                </a:lnTo>
-                <a:lnTo>
-                  <a:pt x="4084367" y="2047996"/>
-                </a:lnTo>
-                <a:lnTo>
-                  <a:pt x="4006577" y="2111053"/>
-                </a:lnTo>
-                <a:lnTo>
-                  <a:pt x="3919591" y="2170895"/>
-                </a:lnTo>
-                <a:lnTo>
-                  <a:pt x="3823527" y="2227170"/>
-                </a:lnTo>
-                <a:lnTo>
-                  <a:pt x="3718503" y="2279524"/>
-                </a:lnTo>
-                <a:lnTo>
-                  <a:pt x="3604640" y="2327605"/>
-                </a:lnTo>
-                <a:lnTo>
-                  <a:pt x="3484379" y="2370262"/>
-                </a:lnTo>
-                <a:lnTo>
-                  <a:pt x="3360493" y="2406625"/>
-                </a:lnTo>
-                <a:lnTo>
-                  <a:pt x="3233598" y="2436764"/>
-                </a:lnTo>
-                <a:lnTo>
-                  <a:pt x="3104308" y="2460745"/>
-                </a:lnTo>
-                <a:lnTo>
-                  <a:pt x="2973240" y="2478637"/>
-                </a:lnTo>
-                <a:lnTo>
-                  <a:pt x="2841009" y="2490508"/>
-                </a:lnTo>
-                <a:lnTo>
-                  <a:pt x="2708230" y="2496426"/>
-                </a:lnTo>
-                <a:lnTo>
-                  <a:pt x="2575520" y="2496460"/>
-                </a:lnTo>
-                <a:lnTo>
-                  <a:pt x="2443493" y="2490678"/>
-                </a:lnTo>
-                <a:lnTo>
-                  <a:pt x="2312765" y="2479147"/>
-                </a:lnTo>
-                <a:lnTo>
-                  <a:pt x="2183951" y="2461937"/>
-                </a:lnTo>
-                <a:lnTo>
-                  <a:pt x="2057668" y="2439115"/>
-                </a:lnTo>
-                <a:lnTo>
-                  <a:pt x="1934530" y="2410749"/>
-                </a:lnTo>
-                <a:lnTo>
-                  <a:pt x="1815153" y="2376908"/>
-                </a:lnTo>
-                <a:lnTo>
-                  <a:pt x="1700152" y="2337660"/>
-                </a:lnTo>
-                <a:lnTo>
-                  <a:pt x="1590144" y="2293072"/>
-                </a:lnTo>
-                <a:lnTo>
-                  <a:pt x="1485743" y="2243214"/>
-                </a:lnTo>
-                <a:lnTo>
-                  <a:pt x="1387566" y="2188153"/>
-                </a:lnTo>
-                <a:lnTo>
-                  <a:pt x="1296227" y="2127957"/>
-                </a:lnTo>
-                <a:lnTo>
-                  <a:pt x="1212341" y="2062695"/>
-                </a:lnTo>
-                <a:lnTo>
-                  <a:pt x="1156269" y="2011923"/>
-                </a:lnTo>
-                <a:lnTo>
-                  <a:pt x="1106085" y="1959753"/>
-                </a:lnTo>
-                <a:lnTo>
-                  <a:pt x="1061790" y="1906340"/>
-                </a:lnTo>
-                <a:lnTo>
-                  <a:pt x="1023385" y="1851839"/>
-                </a:lnTo>
-                <a:lnTo>
-                  <a:pt x="990869" y="1796405"/>
-                </a:lnTo>
-                <a:lnTo>
-                  <a:pt x="964244" y="1740192"/>
-                </a:lnTo>
-                <a:lnTo>
-                  <a:pt x="943510" y="1683356"/>
-                </a:lnTo>
-                <a:lnTo>
-                  <a:pt x="928666" y="1626051"/>
-                </a:lnTo>
-                <a:lnTo>
-                  <a:pt x="919714" y="1568432"/>
-                </a:lnTo>
-                <a:lnTo>
-                  <a:pt x="916654" y="1510655"/>
-                </a:lnTo>
-                <a:lnTo>
-                  <a:pt x="919486" y="1452873"/>
-                </a:lnTo>
-                <a:lnTo>
-                  <a:pt x="928210" y="1395243"/>
-                </a:lnTo>
-                <a:lnTo>
-                  <a:pt x="942827" y="1337918"/>
-                </a:lnTo>
-                <a:lnTo>
-                  <a:pt x="963338" y="1281054"/>
-                </a:lnTo>
-                <a:lnTo>
-                  <a:pt x="989742" y="1224805"/>
-                </a:lnTo>
-                <a:lnTo>
-                  <a:pt x="1022041" y="1169327"/>
-                </a:lnTo>
-                <a:lnTo>
-                  <a:pt x="1060233" y="1114773"/>
-                </a:lnTo>
-                <a:lnTo>
-                  <a:pt x="1104321" y="1061301"/>
-                </a:lnTo>
-                <a:lnTo>
-                  <a:pt x="1154304" y="1009063"/>
-                </a:lnTo>
-                <a:lnTo>
-                  <a:pt x="1210182" y="958214"/>
-                </a:lnTo>
-                <a:lnTo>
-                  <a:pt x="0" y="0"/>
-                </a:lnTo>
-                <a:close/>
-              </a:path>
-            </a:pathLst>
-          </a:custGeom>
-          <a:ln w="15875">
-            <a:solidFill>
-              <a:srgbClr val="1F7CAC"/>
-            </a:solidFill>
-          </a:ln>
-        </p:spPr>
-        <p:txBody>
-          <a:bodyPr wrap="square" lIns="0" tIns="0" rIns="0" bIns="0" rtlCol="0"/>
-          <a:lstStyle/>
-          <a:p>
-            <a:endParaRPr/>
-          </a:p>
-        </p:txBody>
-      </p:sp>
-      <p:sp>
-        <p:nvSpPr>
           <p:cNvPr id="8" name="object 8"/>
           <p:cNvSpPr txBox="1"/>
           <p:nvPr/>
         </p:nvSpPr>
         <p:spPr>
           <a:xfrm>
-            <a:off x="9266935" y="4891781"/>
+            <a:off x="9164066" y="5116572"/>
             <a:ext cx="1888489" cy="1235075"/>
           </a:xfrm>
           <a:prstGeom prst="rect">
@@ -9326,7 +9041,7 @@
               </a:rPr>
               <a:t>statistics</a:t>
             </a:r>
-            <a:endParaRPr sz="2800">
+            <a:endParaRPr sz="2800" dirty="0">
               <a:latin typeface="Corbel"/>
               <a:cs typeface="Corbel"/>
             </a:endParaRPr>
@@ -9335,10 +9050,10 @@
       </p:sp>
       <p:pic>
         <p:nvPicPr>
-          <p:cNvPr id="10" name="Imagen 9">
+          <p:cNvPr id="14" name="Imagen 13">
             <a:extLst>
               <a:ext uri="{FF2B5EF4-FFF2-40B4-BE49-F238E27FC236}">
-                <a16:creationId xmlns:a16="http://schemas.microsoft.com/office/drawing/2014/main" id="{2D60EEC4-3D16-4E6E-8E8A-045DA040EFEC}"/>
+                <a16:creationId xmlns:a16="http://schemas.microsoft.com/office/drawing/2014/main" id="{82C5553D-25AD-4085-832A-2678238208A8}"/>
               </a:ext>
             </a:extLst>
           </p:cNvPr>
@@ -9355,14 +9070,300 @@
         </p:blipFill>
         <p:spPr>
           <a:xfrm>
-            <a:off x="1139445" y="2224377"/>
-            <a:ext cx="6431024" cy="3539222"/>
+            <a:off x="8229600" y="2667000"/>
+            <a:ext cx="3408336" cy="1519189"/>
           </a:xfrm>
           <a:prstGeom prst="rect">
             <a:avLst/>
           </a:prstGeom>
         </p:spPr>
       </p:pic>
+      <p:sp>
+        <p:nvSpPr>
+          <p:cNvPr id="7" name="object 7"/>
+          <p:cNvSpPr/>
+          <p:nvPr/>
+        </p:nvSpPr>
+        <p:spPr>
+          <a:xfrm>
+            <a:off x="7467600" y="4191000"/>
+            <a:ext cx="4361815" cy="2496820"/>
+          </a:xfrm>
+          <a:custGeom>
+            <a:avLst/>
+            <a:gdLst/>
+            <a:ahLst/>
+            <a:cxnLst/>
+            <a:rect l="l" t="t" r="r" b="b"/>
+            <a:pathLst>
+              <a:path w="4361815" h="2496820">
+                <a:moveTo>
+                  <a:pt x="0" y="0"/>
+                </a:moveTo>
+                <a:lnTo>
+                  <a:pt x="1674495" y="691388"/>
+                </a:lnTo>
+                <a:lnTo>
+                  <a:pt x="1794756" y="648741"/>
+                </a:lnTo>
+                <a:lnTo>
+                  <a:pt x="1918642" y="612388"/>
+                </a:lnTo>
+                <a:lnTo>
+                  <a:pt x="2045537" y="582258"/>
+                </a:lnTo>
+                <a:lnTo>
+                  <a:pt x="2174827" y="558285"/>
+                </a:lnTo>
+                <a:lnTo>
+                  <a:pt x="2305895" y="540400"/>
+                </a:lnTo>
+                <a:lnTo>
+                  <a:pt x="2438126" y="528535"/>
+                </a:lnTo>
+                <a:lnTo>
+                  <a:pt x="2570905" y="522622"/>
+                </a:lnTo>
+                <a:lnTo>
+                  <a:pt x="2703615" y="522591"/>
+                </a:lnTo>
+                <a:lnTo>
+                  <a:pt x="2835642" y="528376"/>
+                </a:lnTo>
+                <a:lnTo>
+                  <a:pt x="2966370" y="539908"/>
+                </a:lnTo>
+                <a:lnTo>
+                  <a:pt x="3095184" y="557119"/>
+                </a:lnTo>
+                <a:lnTo>
+                  <a:pt x="3221467" y="579940"/>
+                </a:lnTo>
+                <a:lnTo>
+                  <a:pt x="3344605" y="608304"/>
+                </a:lnTo>
+                <a:lnTo>
+                  <a:pt x="3463982" y="642142"/>
+                </a:lnTo>
+                <a:lnTo>
+                  <a:pt x="3578983" y="681386"/>
+                </a:lnTo>
+                <a:lnTo>
+                  <a:pt x="3688991" y="725968"/>
+                </a:lnTo>
+                <a:lnTo>
+                  <a:pt x="3793392" y="775820"/>
+                </a:lnTo>
+                <a:lnTo>
+                  <a:pt x="3891569" y="830872"/>
+                </a:lnTo>
+                <a:lnTo>
+                  <a:pt x="3982908" y="891058"/>
+                </a:lnTo>
+                <a:lnTo>
+                  <a:pt x="4066794" y="956309"/>
+                </a:lnTo>
+                <a:lnTo>
+                  <a:pt x="4141217" y="1025246"/>
+                </a:lnTo>
+                <a:lnTo>
+                  <a:pt x="4204661" y="1096260"/>
+                </a:lnTo>
+                <a:lnTo>
+                  <a:pt x="4257244" y="1169000"/>
+                </a:lnTo>
+                <a:lnTo>
+                  <a:pt x="4299085" y="1243112"/>
+                </a:lnTo>
+                <a:lnTo>
+                  <a:pt x="4330303" y="1318243"/>
+                </a:lnTo>
+                <a:lnTo>
+                  <a:pt x="4351016" y="1394041"/>
+                </a:lnTo>
+                <a:lnTo>
+                  <a:pt x="4361345" y="1470152"/>
+                </a:lnTo>
+                <a:lnTo>
+                  <a:pt x="4361407" y="1546224"/>
+                </a:lnTo>
+                <a:lnTo>
+                  <a:pt x="4351322" y="1621905"/>
+                </a:lnTo>
+                <a:lnTo>
+                  <a:pt x="4331208" y="1696840"/>
+                </a:lnTo>
+                <a:lnTo>
+                  <a:pt x="4301184" y="1770678"/>
+                </a:lnTo>
+                <a:lnTo>
+                  <a:pt x="4261369" y="1843065"/>
+                </a:lnTo>
+                <a:lnTo>
+                  <a:pt x="4211882" y="1913649"/>
+                </a:lnTo>
+                <a:lnTo>
+                  <a:pt x="4152842" y="1982077"/>
+                </a:lnTo>
+                <a:lnTo>
+                  <a:pt x="4084367" y="2047996"/>
+                </a:lnTo>
+                <a:lnTo>
+                  <a:pt x="4006577" y="2111053"/>
+                </a:lnTo>
+                <a:lnTo>
+                  <a:pt x="3919591" y="2170895"/>
+                </a:lnTo>
+                <a:lnTo>
+                  <a:pt x="3823527" y="2227170"/>
+                </a:lnTo>
+                <a:lnTo>
+                  <a:pt x="3718503" y="2279524"/>
+                </a:lnTo>
+                <a:lnTo>
+                  <a:pt x="3604640" y="2327605"/>
+                </a:lnTo>
+                <a:lnTo>
+                  <a:pt x="3484379" y="2370262"/>
+                </a:lnTo>
+                <a:lnTo>
+                  <a:pt x="3360493" y="2406625"/>
+                </a:lnTo>
+                <a:lnTo>
+                  <a:pt x="3233598" y="2436764"/>
+                </a:lnTo>
+                <a:lnTo>
+                  <a:pt x="3104308" y="2460745"/>
+                </a:lnTo>
+                <a:lnTo>
+                  <a:pt x="2973240" y="2478637"/>
+                </a:lnTo>
+                <a:lnTo>
+                  <a:pt x="2841009" y="2490508"/>
+                </a:lnTo>
+                <a:lnTo>
+                  <a:pt x="2708230" y="2496426"/>
+                </a:lnTo>
+                <a:lnTo>
+                  <a:pt x="2575520" y="2496460"/>
+                </a:lnTo>
+                <a:lnTo>
+                  <a:pt x="2443493" y="2490678"/>
+                </a:lnTo>
+                <a:lnTo>
+                  <a:pt x="2312765" y="2479147"/>
+                </a:lnTo>
+                <a:lnTo>
+                  <a:pt x="2183951" y="2461937"/>
+                </a:lnTo>
+                <a:lnTo>
+                  <a:pt x="2057668" y="2439115"/>
+                </a:lnTo>
+                <a:lnTo>
+                  <a:pt x="1934530" y="2410749"/>
+                </a:lnTo>
+                <a:lnTo>
+                  <a:pt x="1815153" y="2376908"/>
+                </a:lnTo>
+                <a:lnTo>
+                  <a:pt x="1700152" y="2337660"/>
+                </a:lnTo>
+                <a:lnTo>
+                  <a:pt x="1590144" y="2293072"/>
+                </a:lnTo>
+                <a:lnTo>
+                  <a:pt x="1485743" y="2243214"/>
+                </a:lnTo>
+                <a:lnTo>
+                  <a:pt x="1387566" y="2188153"/>
+                </a:lnTo>
+                <a:lnTo>
+                  <a:pt x="1296227" y="2127957"/>
+                </a:lnTo>
+                <a:lnTo>
+                  <a:pt x="1212341" y="2062695"/>
+                </a:lnTo>
+                <a:lnTo>
+                  <a:pt x="1156269" y="2011923"/>
+                </a:lnTo>
+                <a:lnTo>
+                  <a:pt x="1106085" y="1959753"/>
+                </a:lnTo>
+                <a:lnTo>
+                  <a:pt x="1061790" y="1906340"/>
+                </a:lnTo>
+                <a:lnTo>
+                  <a:pt x="1023385" y="1851839"/>
+                </a:lnTo>
+                <a:lnTo>
+                  <a:pt x="990869" y="1796405"/>
+                </a:lnTo>
+                <a:lnTo>
+                  <a:pt x="964244" y="1740192"/>
+                </a:lnTo>
+                <a:lnTo>
+                  <a:pt x="943510" y="1683356"/>
+                </a:lnTo>
+                <a:lnTo>
+                  <a:pt x="928666" y="1626051"/>
+                </a:lnTo>
+                <a:lnTo>
+                  <a:pt x="919714" y="1568432"/>
+                </a:lnTo>
+                <a:lnTo>
+                  <a:pt x="916654" y="1510655"/>
+                </a:lnTo>
+                <a:lnTo>
+                  <a:pt x="919486" y="1452873"/>
+                </a:lnTo>
+                <a:lnTo>
+                  <a:pt x="928210" y="1395243"/>
+                </a:lnTo>
+                <a:lnTo>
+                  <a:pt x="942827" y="1337918"/>
+                </a:lnTo>
+                <a:lnTo>
+                  <a:pt x="963338" y="1281054"/>
+                </a:lnTo>
+                <a:lnTo>
+                  <a:pt x="989742" y="1224805"/>
+                </a:lnTo>
+                <a:lnTo>
+                  <a:pt x="1022041" y="1169327"/>
+                </a:lnTo>
+                <a:lnTo>
+                  <a:pt x="1060233" y="1114773"/>
+                </a:lnTo>
+                <a:lnTo>
+                  <a:pt x="1104321" y="1061301"/>
+                </a:lnTo>
+                <a:lnTo>
+                  <a:pt x="1154304" y="1009063"/>
+                </a:lnTo>
+                <a:lnTo>
+                  <a:pt x="1210182" y="958214"/>
+                </a:lnTo>
+                <a:lnTo>
+                  <a:pt x="0" y="0"/>
+                </a:lnTo>
+                <a:close/>
+              </a:path>
+            </a:pathLst>
+          </a:custGeom>
+          <a:ln w="15875">
+            <a:solidFill>
+              <a:srgbClr val="1F7CAC"/>
+            </a:solidFill>
+          </a:ln>
+        </p:spPr>
+        <p:txBody>
+          <a:bodyPr wrap="square" lIns="0" tIns="0" rIns="0" bIns="0" rtlCol="0"/>
+          <a:lstStyle/>
+          <a:p>
+            <a:endParaRPr/>
+          </a:p>
+        </p:txBody>
+      </p:sp>
     </p:spTree>
   </p:cSld>
   <p:clrMapOvr>

--- a/CalendarioAgo2022/presentaciones/8_ListasNumpy.pptx
+++ b/CalendarioAgo2022/presentaciones/8_ListasNumpy.pptx
@@ -1329,7 +1329,7 @@
           <a:p>
             <a:fld id="{1D8BD707-D9CF-40AE-B4C6-C98DA3205C09}" type="datetimeFigureOut">
               <a:rPr lang="en-US"/>
-              <a:t>10/5/2022</a:t>
+              <a:t>10/6/2022</a:t>
             </a:fld>
             <a:endParaRPr lang="en-US"/>
           </a:p>
@@ -1506,7 +1506,7 @@
           <a:p>
             <a:fld id="{1D8BD707-D9CF-40AE-B4C6-C98DA3205C09}" type="datetimeFigureOut">
               <a:rPr lang="en-US"/>
-              <a:t>10/5/2022</a:t>
+              <a:t>10/6/2022</a:t>
             </a:fld>
             <a:endParaRPr lang="en-US"/>
           </a:p>
@@ -1720,7 +1720,7 @@
           <a:p>
             <a:fld id="{1D8BD707-D9CF-40AE-B4C6-C98DA3205C09}" type="datetimeFigureOut">
               <a:rPr lang="en-US"/>
-              <a:t>10/5/2022</a:t>
+              <a:t>10/6/2022</a:t>
             </a:fld>
             <a:endParaRPr lang="en-US"/>
           </a:p>
@@ -1868,7 +1868,7 @@
           <a:p>
             <a:fld id="{1D8BD707-D9CF-40AE-B4C6-C98DA3205C09}" type="datetimeFigureOut">
               <a:rPr lang="en-US"/>
-              <a:t>10/5/2022</a:t>
+              <a:t>10/6/2022</a:t>
             </a:fld>
             <a:endParaRPr lang="en-US"/>
           </a:p>
@@ -1987,7 +1987,7 @@
           <a:p>
             <a:fld id="{1D8BD707-D9CF-40AE-B4C6-C98DA3205C09}" type="datetimeFigureOut">
               <a:rPr lang="en-US"/>
-              <a:t>10/5/2022</a:t>
+              <a:t>10/6/2022</a:t>
             </a:fld>
             <a:endParaRPr lang="en-US"/>
           </a:p>
@@ -2547,7 +2547,7 @@
           <a:p>
             <a:fld id="{1D8BD707-D9CF-40AE-B4C6-C98DA3205C09}" type="datetimeFigureOut">
               <a:rPr lang="en-US"/>
-              <a:t>10/5/2022</a:t>
+              <a:t>10/6/2022</a:t>
             </a:fld>
             <a:endParaRPr lang="en-US"/>
           </a:p>
